--- a/Präsentation/Microcomputertechnik.pptx
+++ b/Präsentation/Microcomputertechnik.pptx
@@ -208,7 +208,7 @@
           <a:p>
             <a:fld id="{78151011-099C-43C2-85DA-8793B447CB57}" type="datetimeFigureOut">
               <a:rPr lang="de-DE" smtClean="0"/>
-              <a:t>04.03.2020</a:t>
+              <a:t>08.03.2020</a:t>
             </a:fld>
             <a:endParaRPr lang="de-DE"/>
           </a:p>
@@ -9268,7 +9268,7 @@
           <a:p>
             <a:fld id="{ED03B9B2-6A96-4789-AFA9-B91D13DDAC79}" type="datetimeFigureOut">
               <a:rPr lang="de-DE" smtClean="0"/>
-              <a:t>04.03.2020</a:t>
+              <a:t>08.03.2020</a:t>
             </a:fld>
             <a:endParaRPr lang="de-DE"/>
           </a:p>
@@ -9475,7 +9475,7 @@
           <a:p>
             <a:fld id="{ED03B9B2-6A96-4789-AFA9-B91D13DDAC79}" type="datetimeFigureOut">
               <a:rPr lang="de-DE" smtClean="0"/>
-              <a:t>04.03.2020</a:t>
+              <a:t>08.03.2020</a:t>
             </a:fld>
             <a:endParaRPr lang="de-DE"/>
           </a:p>
@@ -9655,7 +9655,7 @@
           <a:p>
             <a:fld id="{ED03B9B2-6A96-4789-AFA9-B91D13DDAC79}" type="datetimeFigureOut">
               <a:rPr lang="de-DE" smtClean="0"/>
-              <a:t>04.03.2020</a:t>
+              <a:t>08.03.2020</a:t>
             </a:fld>
             <a:endParaRPr lang="de-DE"/>
           </a:p>
@@ -9860,7 +9860,7 @@
           <a:p>
             <a:fld id="{ED03B9B2-6A96-4789-AFA9-B91D13DDAC79}" type="datetimeFigureOut">
               <a:rPr lang="de-DE" smtClean="0"/>
-              <a:t>04.03.2020</a:t>
+              <a:t>08.03.2020</a:t>
             </a:fld>
             <a:endParaRPr lang="de-DE"/>
           </a:p>
@@ -18758,7 +18758,7 @@
           <a:p>
             <a:fld id="{ED03B9B2-6A96-4789-AFA9-B91D13DDAC79}" type="datetimeFigureOut">
               <a:rPr lang="de-DE" smtClean="0"/>
-              <a:t>04.03.2020</a:t>
+              <a:t>08.03.2020</a:t>
             </a:fld>
             <a:endParaRPr lang="de-DE"/>
           </a:p>
@@ -19032,7 +19032,7 @@
           <a:p>
             <a:fld id="{ED03B9B2-6A96-4789-AFA9-B91D13DDAC79}" type="datetimeFigureOut">
               <a:rPr lang="de-DE" smtClean="0"/>
-              <a:t>04.03.2020</a:t>
+              <a:t>08.03.2020</a:t>
             </a:fld>
             <a:endParaRPr lang="de-DE"/>
           </a:p>
@@ -19430,7 +19430,7 @@
           <a:p>
             <a:fld id="{ED03B9B2-6A96-4789-AFA9-B91D13DDAC79}" type="datetimeFigureOut">
               <a:rPr lang="de-DE" smtClean="0"/>
-              <a:t>04.03.2020</a:t>
+              <a:t>08.03.2020</a:t>
             </a:fld>
             <a:endParaRPr lang="de-DE"/>
           </a:p>
@@ -19548,7 +19548,7 @@
           <a:p>
             <a:fld id="{ED03B9B2-6A96-4789-AFA9-B91D13DDAC79}" type="datetimeFigureOut">
               <a:rPr lang="de-DE" smtClean="0"/>
-              <a:t>04.03.2020</a:t>
+              <a:t>08.03.2020</a:t>
             </a:fld>
             <a:endParaRPr lang="de-DE"/>
           </a:p>
@@ -19643,7 +19643,7 @@
           <a:p>
             <a:fld id="{ED03B9B2-6A96-4789-AFA9-B91D13DDAC79}" type="datetimeFigureOut">
               <a:rPr lang="de-DE" smtClean="0"/>
-              <a:t>04.03.2020</a:t>
+              <a:t>08.03.2020</a:t>
             </a:fld>
             <a:endParaRPr lang="de-DE"/>
           </a:p>
@@ -19933,7 +19933,7 @@
           <a:p>
             <a:fld id="{ED03B9B2-6A96-4789-AFA9-B91D13DDAC79}" type="datetimeFigureOut">
               <a:rPr lang="de-DE" smtClean="0"/>
-              <a:t>04.03.2020</a:t>
+              <a:t>08.03.2020</a:t>
             </a:fld>
             <a:endParaRPr lang="de-DE"/>
           </a:p>
@@ -20213,7 +20213,7 @@
           <a:p>
             <a:fld id="{ED03B9B2-6A96-4789-AFA9-B91D13DDAC79}" type="datetimeFigureOut">
               <a:rPr lang="de-DE" smtClean="0"/>
-              <a:t>04.03.2020</a:t>
+              <a:t>08.03.2020</a:t>
             </a:fld>
             <a:endParaRPr lang="de-DE"/>
           </a:p>
@@ -20463,7 +20463,7 @@
           <a:p>
             <a:fld id="{ED03B9B2-6A96-4789-AFA9-B91D13DDAC79}" type="datetimeFigureOut">
               <a:rPr lang="de-DE" smtClean="0"/>
-              <a:t>04.03.2020</a:t>
+              <a:t>08.03.2020</a:t>
             </a:fld>
             <a:endParaRPr lang="de-DE"/>
           </a:p>
@@ -21702,8 +21702,13 @@
             </a:pPr>
             <a:r>
               <a:rPr lang="de-DE" dirty="0"/>
-              <a:t> Hardware verbauen</a:t>
+              <a:t> </a:t>
             </a:r>
+            <a:r>
+              <a:rPr lang="de-DE"/>
+              <a:t>Hardware fertig verbauen</a:t>
+            </a:r>
+            <a:endParaRPr lang="de-DE" dirty="0"/>
           </a:p>
           <a:p>
             <a:pPr>

--- a/Präsentation/Microcomputertechnik.pptx
+++ b/Präsentation/Microcomputertechnik.pptx
@@ -208,7 +208,7 @@
           <a:p>
             <a:fld id="{78151011-099C-43C2-85DA-8793B447CB57}" type="datetimeFigureOut">
               <a:rPr lang="de-DE" smtClean="0"/>
-              <a:t>08.03.2020</a:t>
+              <a:t>09.03.2020</a:t>
             </a:fld>
             <a:endParaRPr lang="de-DE"/>
           </a:p>
@@ -9268,7 +9268,7 @@
           <a:p>
             <a:fld id="{ED03B9B2-6A96-4789-AFA9-B91D13DDAC79}" type="datetimeFigureOut">
               <a:rPr lang="de-DE" smtClean="0"/>
-              <a:t>08.03.2020</a:t>
+              <a:t>09.03.2020</a:t>
             </a:fld>
             <a:endParaRPr lang="de-DE"/>
           </a:p>
@@ -9475,7 +9475,7 @@
           <a:p>
             <a:fld id="{ED03B9B2-6A96-4789-AFA9-B91D13DDAC79}" type="datetimeFigureOut">
               <a:rPr lang="de-DE" smtClean="0"/>
-              <a:t>08.03.2020</a:t>
+              <a:t>09.03.2020</a:t>
             </a:fld>
             <a:endParaRPr lang="de-DE"/>
           </a:p>
@@ -9655,7 +9655,7 @@
           <a:p>
             <a:fld id="{ED03B9B2-6A96-4789-AFA9-B91D13DDAC79}" type="datetimeFigureOut">
               <a:rPr lang="de-DE" smtClean="0"/>
-              <a:t>08.03.2020</a:t>
+              <a:t>09.03.2020</a:t>
             </a:fld>
             <a:endParaRPr lang="de-DE"/>
           </a:p>
@@ -9860,7 +9860,7 @@
           <a:p>
             <a:fld id="{ED03B9B2-6A96-4789-AFA9-B91D13DDAC79}" type="datetimeFigureOut">
               <a:rPr lang="de-DE" smtClean="0"/>
-              <a:t>08.03.2020</a:t>
+              <a:t>09.03.2020</a:t>
             </a:fld>
             <a:endParaRPr lang="de-DE"/>
           </a:p>
@@ -18758,7 +18758,7 @@
           <a:p>
             <a:fld id="{ED03B9B2-6A96-4789-AFA9-B91D13DDAC79}" type="datetimeFigureOut">
               <a:rPr lang="de-DE" smtClean="0"/>
-              <a:t>08.03.2020</a:t>
+              <a:t>09.03.2020</a:t>
             </a:fld>
             <a:endParaRPr lang="de-DE"/>
           </a:p>
@@ -19032,7 +19032,7 @@
           <a:p>
             <a:fld id="{ED03B9B2-6A96-4789-AFA9-B91D13DDAC79}" type="datetimeFigureOut">
               <a:rPr lang="de-DE" smtClean="0"/>
-              <a:t>08.03.2020</a:t>
+              <a:t>09.03.2020</a:t>
             </a:fld>
             <a:endParaRPr lang="de-DE"/>
           </a:p>
@@ -19430,7 +19430,7 @@
           <a:p>
             <a:fld id="{ED03B9B2-6A96-4789-AFA9-B91D13DDAC79}" type="datetimeFigureOut">
               <a:rPr lang="de-DE" smtClean="0"/>
-              <a:t>08.03.2020</a:t>
+              <a:t>09.03.2020</a:t>
             </a:fld>
             <a:endParaRPr lang="de-DE"/>
           </a:p>
@@ -19548,7 +19548,7 @@
           <a:p>
             <a:fld id="{ED03B9B2-6A96-4789-AFA9-B91D13DDAC79}" type="datetimeFigureOut">
               <a:rPr lang="de-DE" smtClean="0"/>
-              <a:t>08.03.2020</a:t>
+              <a:t>09.03.2020</a:t>
             </a:fld>
             <a:endParaRPr lang="de-DE"/>
           </a:p>
@@ -19643,7 +19643,7 @@
           <a:p>
             <a:fld id="{ED03B9B2-6A96-4789-AFA9-B91D13DDAC79}" type="datetimeFigureOut">
               <a:rPr lang="de-DE" smtClean="0"/>
-              <a:t>08.03.2020</a:t>
+              <a:t>09.03.2020</a:t>
             </a:fld>
             <a:endParaRPr lang="de-DE"/>
           </a:p>
@@ -19933,7 +19933,7 @@
           <a:p>
             <a:fld id="{ED03B9B2-6A96-4789-AFA9-B91D13DDAC79}" type="datetimeFigureOut">
               <a:rPr lang="de-DE" smtClean="0"/>
-              <a:t>08.03.2020</a:t>
+              <a:t>09.03.2020</a:t>
             </a:fld>
             <a:endParaRPr lang="de-DE"/>
           </a:p>
@@ -20213,7 +20213,7 @@
           <a:p>
             <a:fld id="{ED03B9B2-6A96-4789-AFA9-B91D13DDAC79}" type="datetimeFigureOut">
               <a:rPr lang="de-DE" smtClean="0"/>
-              <a:t>08.03.2020</a:t>
+              <a:t>09.03.2020</a:t>
             </a:fld>
             <a:endParaRPr lang="de-DE"/>
           </a:p>
@@ -20463,7 +20463,7 @@
           <a:p>
             <a:fld id="{ED03B9B2-6A96-4789-AFA9-B91D13DDAC79}" type="datetimeFigureOut">
               <a:rPr lang="de-DE" smtClean="0"/>
-              <a:t>08.03.2020</a:t>
+              <a:t>09.03.2020</a:t>
             </a:fld>
             <a:endParaRPr lang="de-DE"/>
           </a:p>
@@ -22745,7 +22745,7 @@
           <p:nvPr>
             <p:extLst>
               <p:ext uri="{D42A27DB-BD31-4B8C-83A1-F6EECF244321}">
-                <p14:modId xmlns:p14="http://schemas.microsoft.com/office/powerpoint/2010/main" val="701459580"/>
+                <p14:modId xmlns:p14="http://schemas.microsoft.com/office/powerpoint/2010/main" val="810873555"/>
               </p:ext>
             </p:extLst>
           </p:nvPr>
@@ -23065,18 +23065,15 @@
                     <a:p>
                       <a:pPr algn="l" fontAlgn="t"/>
                       <a:r>
-                        <a:rPr lang="de-DE" sz="1600" u="none" strike="noStrike">
+                        <a:rPr lang="de-DE" sz="1600" b="0" i="0" u="none" strike="noStrike" dirty="0">
+                          <a:solidFill>
+                            <a:srgbClr val="000000"/>
+                          </a:solidFill>
                           <a:effectLst/>
+                          <a:latin typeface="Calibri" panose="020F0502020204030204" pitchFamily="34" charset="0"/>
                         </a:rPr>
-                        <a:t>Externe Abfrage über USB-Schnittstelle</a:t>
+                        <a:t>Zugriff auf Messdaten über SD-Karte</a:t>
                       </a:r>
-                      <a:endParaRPr lang="de-DE" sz="1600" b="0" i="0" u="none" strike="noStrike">
-                        <a:solidFill>
-                          <a:srgbClr val="000000"/>
-                        </a:solidFill>
-                        <a:effectLst/>
-                        <a:latin typeface="Calibri" panose="020F0502020204030204" pitchFamily="34" charset="0"/>
-                      </a:endParaRPr>
                     </a:p>
                   </a:txBody>
                   <a:tcPr marL="7695" marR="7695" marT="7695" marB="0"/>
@@ -26140,7 +26137,7 @@
             <p:ph idx="1"/>
             <p:extLst>
               <p:ext uri="{D42A27DB-BD31-4B8C-83A1-F6EECF244321}">
-                <p14:modId xmlns:p14="http://schemas.microsoft.com/office/powerpoint/2010/main" val="736819123"/>
+                <p14:modId xmlns:p14="http://schemas.microsoft.com/office/powerpoint/2010/main" val="1234991949"/>
               </p:ext>
             </p:extLst>
           </p:nvPr>
@@ -26362,7 +26359,7 @@
                     <a:p>
                       <a:r>
                         <a:rPr lang="de-DE" dirty="0"/>
-                        <a:t>€</a:t>
+                        <a:t>24,99€</a:t>
                       </a:r>
                     </a:p>
                   </a:txBody>
@@ -26426,7 +26423,7 @@
           <p:nvPr>
             <p:extLst>
               <p:ext uri="{D42A27DB-BD31-4B8C-83A1-F6EECF244321}">
-                <p14:modId xmlns:p14="http://schemas.microsoft.com/office/powerpoint/2010/main" val="3718170655"/>
+                <p14:modId xmlns:p14="http://schemas.microsoft.com/office/powerpoint/2010/main" val="209762720"/>
               </p:ext>
             </p:extLst>
           </p:nvPr>
@@ -26478,7 +26475,7 @@
                     <a:p>
                       <a:r>
                         <a:rPr lang="de-DE" dirty="0"/>
-                        <a:t>€</a:t>
+                        <a:t>73,14€</a:t>
                       </a:r>
                     </a:p>
                   </a:txBody>

--- a/Präsentation/Microcomputertechnik.pptx
+++ b/Präsentation/Microcomputertechnik.pptx
@@ -21702,13 +21702,36 @@
             </a:pPr>
             <a:r>
               <a:rPr lang="de-DE" dirty="0"/>
-              <a:t> </a:t>
+              <a:t> Während Projekt: </a:t>
+            </a:r>
+          </a:p>
+          <a:p>
+            <a:pPr lvl="1">
+              <a:buFont typeface="Wingdings" panose="05000000000000000000" pitchFamily="2" charset="2"/>
+              <a:buChar char="Ø"/>
+            </a:pPr>
+            <a:r>
+              <a:rPr lang="de-DE" dirty="0"/>
+              <a:t> Powerbutton und </a:t>
             </a:r>
             <a:r>
-              <a:rPr lang="de-DE"/>
-              <a:t>Hardware fertig verbauen</a:t>
+              <a:rPr lang="de-DE" dirty="0" err="1"/>
+              <a:t>MikroSD</a:t>
             </a:r>
-            <a:endParaRPr lang="de-DE" dirty="0"/>
+            <a:r>
+              <a:rPr lang="de-DE" dirty="0"/>
+              <a:t> implementieren</a:t>
+            </a:r>
+          </a:p>
+          <a:p>
+            <a:pPr lvl="1">
+              <a:buFont typeface="Wingdings" panose="05000000000000000000" pitchFamily="2" charset="2"/>
+              <a:buChar char="Ø"/>
+            </a:pPr>
+            <a:r>
+              <a:rPr lang="de-DE" dirty="0"/>
+              <a:t> Hardware fertig verbauen</a:t>
+            </a:r>
           </a:p>
           <a:p>
             <a:pPr>
@@ -21717,7 +21740,17 @@
             </a:pPr>
             <a:r>
               <a:rPr lang="de-DE" dirty="0"/>
-              <a:t> Motor anstatt LED</a:t>
+              <a:t> Nach Projektende:</a:t>
+            </a:r>
+          </a:p>
+          <a:p>
+            <a:pPr lvl="1">
+              <a:buFont typeface="Wingdings" panose="05000000000000000000" pitchFamily="2" charset="2"/>
+              <a:buChar char="Ø"/>
+            </a:pPr>
+            <a:r>
+              <a:rPr lang="de-DE" dirty="0"/>
+              <a:t>Motor anstatt LED</a:t>
             </a:r>
           </a:p>
         </p:txBody>
@@ -27029,6 +27062,42 @@
           <a:chExt cx="0" cy="0"/>
         </a:xfrm>
       </p:grpSpPr>
+      <p:pic>
+        <p:nvPicPr>
+          <p:cNvPr id="4" name="Grafik 3">
+            <a:extLst>
+              <a:ext uri="{FF2B5EF4-FFF2-40B4-BE49-F238E27FC236}">
+                <a16:creationId xmlns:a16="http://schemas.microsoft.com/office/drawing/2014/main" id="{F6ADE89B-A243-4BBA-B8A0-DFC7774E8AB3}"/>
+              </a:ext>
+            </a:extLst>
+          </p:cNvPr>
+          <p:cNvPicPr>
+            <a:picLocks noChangeAspect="1"/>
+          </p:cNvPicPr>
+          <p:nvPr/>
+        </p:nvPicPr>
+        <p:blipFill>
+          <a:blip r:embed="rId2">
+            <a:extLst>
+              <a:ext uri="{28A0092B-C50C-407E-A947-70E740481C1C}">
+                <a14:useLocalDpi xmlns:a14="http://schemas.microsoft.com/office/drawing/2010/main" val="0"/>
+              </a:ext>
+            </a:extLst>
+          </a:blip>
+          <a:stretch>
+            <a:fillRect/>
+          </a:stretch>
+        </p:blipFill>
+        <p:spPr>
+          <a:xfrm>
+            <a:off x="2201169" y="1495207"/>
+            <a:ext cx="7789659" cy="5280934"/>
+          </a:xfrm>
+          <a:prstGeom prst="rect">
+            <a:avLst/>
+          </a:prstGeom>
+        </p:spPr>
+      </p:pic>
       <p:sp>
         <p:nvSpPr>
           <p:cNvPr id="2" name="Titel 1">
@@ -27057,42 +27126,6 @@
           </a:p>
         </p:txBody>
       </p:sp>
-      <p:pic>
-        <p:nvPicPr>
-          <p:cNvPr id="10" name="Grafik 9">
-            <a:extLst>
-              <a:ext uri="{FF2B5EF4-FFF2-40B4-BE49-F238E27FC236}">
-                <a16:creationId xmlns:a16="http://schemas.microsoft.com/office/drawing/2014/main" id="{A6BFE119-F8BA-4118-92D3-F60A79E7554B}"/>
-              </a:ext>
-            </a:extLst>
-          </p:cNvPr>
-          <p:cNvPicPr>
-            <a:picLocks noChangeAspect="1"/>
-          </p:cNvPicPr>
-          <p:nvPr/>
-        </p:nvPicPr>
-        <p:blipFill>
-          <a:blip r:embed="rId2">
-            <a:extLst>
-              <a:ext uri="{28A0092B-C50C-407E-A947-70E740481C1C}">
-                <a14:useLocalDpi xmlns:a14="http://schemas.microsoft.com/office/drawing/2010/main" val="0"/>
-              </a:ext>
-            </a:extLst>
-          </a:blip>
-          <a:stretch>
-            <a:fillRect/>
-          </a:stretch>
-        </p:blipFill>
-        <p:spPr>
-          <a:xfrm>
-            <a:off x="2158696" y="1509101"/>
-            <a:ext cx="7874607" cy="5380794"/>
-          </a:xfrm>
-          <a:prstGeom prst="rect">
-            <a:avLst/>
-          </a:prstGeom>
-        </p:spPr>
-      </p:pic>
     </p:spTree>
     <p:extLst>
       <p:ext uri="{BB962C8B-B14F-4D97-AF65-F5344CB8AC3E}">

--- a/Präsentation/Microcomputertechnik.pptx
+++ b/Präsentation/Microcomputertechnik.pptx
@@ -22121,7 +22121,7 @@
             <p:ph idx="1"/>
             <p:extLst>
               <p:ext uri="{D42A27DB-BD31-4B8C-83A1-F6EECF244321}">
-                <p14:modId xmlns:p14="http://schemas.microsoft.com/office/powerpoint/2010/main" val="996240949"/>
+                <p14:modId xmlns:p14="http://schemas.microsoft.com/office/powerpoint/2010/main" val="2821424183"/>
               </p:ext>
             </p:extLst>
           </p:nvPr>
@@ -22353,12 +22353,12 @@
                     <a:p>
                       <a:pPr algn="l" fontAlgn="t"/>
                       <a:r>
-                        <a:rPr lang="de-DE" sz="1600" u="none" strike="noStrike">
+                        <a:rPr lang="de-DE" sz="1600" u="none" strike="noStrike" dirty="0">
                           <a:effectLst/>
                         </a:rPr>
-                        <a:t>Mindestmessbereich von 300 ppm bis 3000 ppm</a:t>
+                        <a:t>Mindestmessbereich von 400 ppm bis 5000 ppm</a:t>
                       </a:r>
-                      <a:endParaRPr lang="de-DE" sz="1600" b="0" i="0" u="none" strike="noStrike">
+                      <a:endParaRPr lang="de-DE" sz="1600" b="0" i="0" u="none" strike="noStrike" dirty="0">
                         <a:solidFill>
                           <a:srgbClr val="000000"/>
                         </a:solidFill>
@@ -26170,7 +26170,7 @@
             <p:ph idx="1"/>
             <p:extLst>
               <p:ext uri="{D42A27DB-BD31-4B8C-83A1-F6EECF244321}">
-                <p14:modId xmlns:p14="http://schemas.microsoft.com/office/powerpoint/2010/main" val="1234991949"/>
+                <p14:modId xmlns:p14="http://schemas.microsoft.com/office/powerpoint/2010/main" val="2722199050"/>
               </p:ext>
             </p:extLst>
           </p:nvPr>
@@ -26276,7 +26276,7 @@
                     <a:p>
                       <a:r>
                         <a:rPr lang="de-DE" dirty="0"/>
-                        <a:t>CO2 Sensor (CCS811)</a:t>
+                        <a:t>CO2-Sensor (CCS811)</a:t>
                       </a:r>
                     </a:p>
                   </a:txBody>
@@ -26309,7 +26309,7 @@
                     <a:p>
                       <a:r>
                         <a:rPr lang="de-DE" dirty="0" err="1"/>
-                        <a:t>MicroSD</a:t>
+                        <a:t>MikroSD</a:t>
                       </a:r>
                       <a:r>
                         <a:rPr lang="de-DE" dirty="0"/>

--- a/Präsentation/Microcomputertechnik.pptx
+++ b/Präsentation/Microcomputertechnik.pptx
@@ -17,7 +17,7 @@
     <p:sldId id="260" r:id="rId8"/>
     <p:sldId id="265" r:id="rId9"/>
     <p:sldId id="261" r:id="rId10"/>
-    <p:sldId id="269" r:id="rId11"/>
+    <p:sldId id="270" r:id="rId11"/>
     <p:sldId id="262" r:id="rId12"/>
     <p:sldId id="263" r:id="rId13"/>
   </p:sldIdLst>
@@ -208,7 +208,7 @@
           <a:p>
             <a:fld id="{78151011-099C-43C2-85DA-8793B447CB57}" type="datetimeFigureOut">
               <a:rPr lang="de-DE" smtClean="0"/>
-              <a:t>09.03.2020</a:t>
+              <a:t>27.04.2020</a:t>
             </a:fld>
             <a:endParaRPr lang="de-DE"/>
           </a:p>
@@ -9268,7 +9268,7 @@
           <a:p>
             <a:fld id="{ED03B9B2-6A96-4789-AFA9-B91D13DDAC79}" type="datetimeFigureOut">
               <a:rPr lang="de-DE" smtClean="0"/>
-              <a:t>09.03.2020</a:t>
+              <a:t>27.04.2020</a:t>
             </a:fld>
             <a:endParaRPr lang="de-DE"/>
           </a:p>
@@ -9475,7 +9475,7 @@
           <a:p>
             <a:fld id="{ED03B9B2-6A96-4789-AFA9-B91D13DDAC79}" type="datetimeFigureOut">
               <a:rPr lang="de-DE" smtClean="0"/>
-              <a:t>09.03.2020</a:t>
+              <a:t>27.04.2020</a:t>
             </a:fld>
             <a:endParaRPr lang="de-DE"/>
           </a:p>
@@ -9655,7 +9655,7 @@
           <a:p>
             <a:fld id="{ED03B9B2-6A96-4789-AFA9-B91D13DDAC79}" type="datetimeFigureOut">
               <a:rPr lang="de-DE" smtClean="0"/>
-              <a:t>09.03.2020</a:t>
+              <a:t>27.04.2020</a:t>
             </a:fld>
             <a:endParaRPr lang="de-DE"/>
           </a:p>
@@ -9860,7 +9860,7 @@
           <a:p>
             <a:fld id="{ED03B9B2-6A96-4789-AFA9-B91D13DDAC79}" type="datetimeFigureOut">
               <a:rPr lang="de-DE" smtClean="0"/>
-              <a:t>09.03.2020</a:t>
+              <a:t>27.04.2020</a:t>
             </a:fld>
             <a:endParaRPr lang="de-DE"/>
           </a:p>
@@ -18758,7 +18758,7 @@
           <a:p>
             <a:fld id="{ED03B9B2-6A96-4789-AFA9-B91D13DDAC79}" type="datetimeFigureOut">
               <a:rPr lang="de-DE" smtClean="0"/>
-              <a:t>09.03.2020</a:t>
+              <a:t>27.04.2020</a:t>
             </a:fld>
             <a:endParaRPr lang="de-DE"/>
           </a:p>
@@ -19032,7 +19032,7 @@
           <a:p>
             <a:fld id="{ED03B9B2-6A96-4789-AFA9-B91D13DDAC79}" type="datetimeFigureOut">
               <a:rPr lang="de-DE" smtClean="0"/>
-              <a:t>09.03.2020</a:t>
+              <a:t>27.04.2020</a:t>
             </a:fld>
             <a:endParaRPr lang="de-DE"/>
           </a:p>
@@ -19430,7 +19430,7 @@
           <a:p>
             <a:fld id="{ED03B9B2-6A96-4789-AFA9-B91D13DDAC79}" type="datetimeFigureOut">
               <a:rPr lang="de-DE" smtClean="0"/>
-              <a:t>09.03.2020</a:t>
+              <a:t>27.04.2020</a:t>
             </a:fld>
             <a:endParaRPr lang="de-DE"/>
           </a:p>
@@ -19548,7 +19548,7 @@
           <a:p>
             <a:fld id="{ED03B9B2-6A96-4789-AFA9-B91D13DDAC79}" type="datetimeFigureOut">
               <a:rPr lang="de-DE" smtClean="0"/>
-              <a:t>09.03.2020</a:t>
+              <a:t>27.04.2020</a:t>
             </a:fld>
             <a:endParaRPr lang="de-DE"/>
           </a:p>
@@ -19643,7 +19643,7 @@
           <a:p>
             <a:fld id="{ED03B9B2-6A96-4789-AFA9-B91D13DDAC79}" type="datetimeFigureOut">
               <a:rPr lang="de-DE" smtClean="0"/>
-              <a:t>09.03.2020</a:t>
+              <a:t>27.04.2020</a:t>
             </a:fld>
             <a:endParaRPr lang="de-DE"/>
           </a:p>
@@ -19933,7 +19933,7 @@
           <a:p>
             <a:fld id="{ED03B9B2-6A96-4789-AFA9-B91D13DDAC79}" type="datetimeFigureOut">
               <a:rPr lang="de-DE" smtClean="0"/>
-              <a:t>09.03.2020</a:t>
+              <a:t>27.04.2020</a:t>
             </a:fld>
             <a:endParaRPr lang="de-DE"/>
           </a:p>
@@ -20213,7 +20213,7 @@
           <a:p>
             <a:fld id="{ED03B9B2-6A96-4789-AFA9-B91D13DDAC79}" type="datetimeFigureOut">
               <a:rPr lang="de-DE" smtClean="0"/>
-              <a:t>09.03.2020</a:t>
+              <a:t>27.04.2020</a:t>
             </a:fld>
             <a:endParaRPr lang="de-DE"/>
           </a:p>
@@ -20463,7 +20463,7 @@
           <a:p>
             <a:fld id="{ED03B9B2-6A96-4789-AFA9-B91D13DDAC79}" type="datetimeFigureOut">
               <a:rPr lang="de-DE" smtClean="0"/>
-              <a:t>09.03.2020</a:t>
+              <a:t>27.04.2020</a:t>
             </a:fld>
             <a:endParaRPr lang="de-DE"/>
           </a:p>
@@ -21355,10 +21355,10 @@
       </p:grpSpPr>
       <p:pic>
         <p:nvPicPr>
-          <p:cNvPr id="2" name="Grafik 1">
+          <p:cNvPr id="3" name="Grafik 2">
             <a:extLst>
               <a:ext uri="{FF2B5EF4-FFF2-40B4-BE49-F238E27FC236}">
-                <a16:creationId xmlns:a16="http://schemas.microsoft.com/office/drawing/2014/main" id="{98BAFECA-D45C-46AE-AC5C-C1EC0CCA269F}"/>
+                <a16:creationId xmlns:a16="http://schemas.microsoft.com/office/drawing/2014/main" id="{AA48CFCD-73C7-49BA-8D64-6890C5A08782}"/>
               </a:ext>
             </a:extLst>
           </p:cNvPr>
@@ -21367,21 +21367,16 @@
           </p:cNvPicPr>
           <p:nvPr/>
         </p:nvPicPr>
-        <p:blipFill rotWithShape="1">
-          <a:blip r:embed="rId2">
-            <a:extLst>
-              <a:ext uri="{28A0092B-C50C-407E-A947-70E740481C1C}">
-                <a14:useLocalDpi xmlns:a14="http://schemas.microsoft.com/office/drawing/2010/main" val="0"/>
-              </a:ext>
-            </a:extLst>
-          </a:blip>
-          <a:srcRect l="488" t="1976" b="3541"/>
-          <a:stretch/>
+        <p:blipFill>
+          <a:blip r:embed="rId2"/>
+          <a:stretch>
+            <a:fillRect/>
+          </a:stretch>
         </p:blipFill>
         <p:spPr>
           <a:xfrm>
-            <a:off x="2505740" y="282796"/>
-            <a:ext cx="7180520" cy="6292408"/>
+            <a:off x="2962939" y="68495"/>
+            <a:ext cx="6266122" cy="6721010"/>
           </a:xfrm>
           <a:prstGeom prst="rect">
             <a:avLst/>
@@ -21391,7 +21386,7 @@
     </p:spTree>
     <p:extLst>
       <p:ext uri="{BB962C8B-B14F-4D97-AF65-F5344CB8AC3E}">
-        <p14:creationId xmlns:p14="http://schemas.microsoft.com/office/powerpoint/2010/main" val="1054889543"/>
+        <p14:creationId xmlns:p14="http://schemas.microsoft.com/office/powerpoint/2010/main" val="3180677000"/>
       </p:ext>
     </p:extLst>
   </p:cSld>
